--- a/assets/summer project.pptx
+++ b/assets/summer project.pptx
@@ -512,7 +512,35 @@
           <a:bodyPr/>
           <a:lstStyle/>
           <a:p>
-            <a:endParaRPr lang="en-US"/>
+            <a:r>
+              <a:rPr lang="en-US" dirty="0"/>
+              <a:t>This is my summer internship project presentation. </a:t>
+            </a:r>
+            <a:r>
+              <a:rPr lang="en-US"/>
+              <a:t>I</a:t>
+            </a:r>
+            <a:r>
+              <a:rPr lang="en-US" b="0" i="0">
+                <a:solidFill>
+                  <a:srgbClr val="000000"/>
+                </a:solidFill>
+                <a:effectLst/>
+                <a:latin typeface="Roboto" panose="020B0604020202020204" pitchFamily="2" charset="0"/>
+              </a:rPr>
+              <a:t> </a:t>
+            </a:r>
+            <a:r>
+              <a:rPr lang="en-US" b="0" i="0" dirty="0">
+                <a:solidFill>
+                  <a:srgbClr val="000000"/>
+                </a:solidFill>
+                <a:effectLst/>
+                <a:latin typeface="Roboto" panose="020B0604020202020204" pitchFamily="2" charset="0"/>
+              </a:rPr>
+              <a:t>analyzed extremely hard to borrow stocks to see if Merrill Lynch’s loan rate is predictive of the terminal stock price through time.</a:t>
+            </a:r>
+            <a:endParaRPr lang="en-US" dirty="0"/>
           </a:p>
         </p:txBody>
       </p:sp>
@@ -543,6 +571,390 @@
     <p:extLst>
       <p:ext uri="{BB962C8B-B14F-4D97-AF65-F5344CB8AC3E}">
         <p14:creationId xmlns:p14="http://schemas.microsoft.com/office/powerpoint/2010/main" val="4209153344"/>
+      </p:ext>
+    </p:extLst>
+  </p:cSld>
+  <p:clrMapOvr>
+    <a:masterClrMapping/>
+  </p:clrMapOvr>
+</p:notes>
+</file>
+
+<file path=ppt/notesSlides/notesSlide2.xml><?xml version="1.0" encoding="utf-8"?>
+<p:notes xmlns:a="http://schemas.openxmlformats.org/drawingml/2006/main" xmlns:r="http://schemas.openxmlformats.org/officeDocument/2006/relationships" xmlns:p="http://schemas.openxmlformats.org/presentationml/2006/main">
+  <p:cSld>
+    <p:spTree>
+      <p:nvGrpSpPr>
+        <p:cNvPr id="1" name=""/>
+        <p:cNvGrpSpPr/>
+        <p:nvPr/>
+      </p:nvGrpSpPr>
+      <p:grpSpPr>
+        <a:xfrm>
+          <a:off x="0" y="0"/>
+          <a:ext cx="0" cy="0"/>
+          <a:chOff x="0" y="0"/>
+          <a:chExt cx="0" cy="0"/>
+        </a:xfrm>
+      </p:grpSpPr>
+      <p:sp>
+        <p:nvSpPr>
+          <p:cNvPr id="2" name="Slide Image Placeholder 1"/>
+          <p:cNvSpPr>
+            <a:spLocks noGrp="1" noRot="1" noChangeAspect="1"/>
+          </p:cNvSpPr>
+          <p:nvPr>
+            <p:ph type="sldImg"/>
+          </p:nvPr>
+        </p:nvSpPr>
+        <p:spPr/>
+      </p:sp>
+      <p:sp>
+        <p:nvSpPr>
+          <p:cNvPr id="3" name="Notes Placeholder 2"/>
+          <p:cNvSpPr>
+            <a:spLocks noGrp="1"/>
+          </p:cNvSpPr>
+          <p:nvPr>
+            <p:ph type="body" idx="1"/>
+          </p:nvPr>
+        </p:nvSpPr>
+        <p:spPr/>
+        <p:txBody>
+          <a:bodyPr/>
+          <a:lstStyle/>
+          <a:p>
+            <a:pPr marL="0" marR="0" lvl="0" indent="0" algn="l" defTabSz="914400" rtl="0" eaLnBrk="1" fontAlgn="auto" latinLnBrk="0" hangingPunct="1">
+              <a:lnSpc>
+                <a:spcPct val="100000"/>
+              </a:lnSpc>
+              <a:spcBef>
+                <a:spcPts val="0"/>
+              </a:spcBef>
+              <a:spcAft>
+                <a:spcPts val="0"/>
+              </a:spcAft>
+              <a:buClrTx/>
+              <a:buSzTx/>
+              <a:buFontTx/>
+              <a:buNone/>
+              <a:tabLst/>
+              <a:defRPr/>
+            </a:pPr>
+            <a:r>
+              <a:rPr lang="en-US" dirty="0"/>
+              <a:t>Whenever, we want to short a stock, we have to borrow the stock. Usually, we borrow from Merrill Lynch. We pay them collateral for borrowing the stock, and they will pay us interest on the collateral. For stocks that are heavily shorted, this interest rate can be negative, meaning we have to pay </a:t>
+            </a:r>
+            <a:r>
+              <a:rPr lang="en-US" dirty="0" err="1"/>
+              <a:t>Merill</a:t>
+            </a:r>
+            <a:r>
+              <a:rPr lang="en-US" dirty="0"/>
+              <a:t> Lynch instead! We need to make sure we’re not losing money by choosing to short this stock.</a:t>
+            </a:r>
+          </a:p>
+          <a:p>
+            <a:endParaRPr lang="en-US" dirty="0"/>
+          </a:p>
+        </p:txBody>
+      </p:sp>
+      <p:sp>
+        <p:nvSpPr>
+          <p:cNvPr id="4" name="Slide Number Placeholder 3"/>
+          <p:cNvSpPr>
+            <a:spLocks noGrp="1"/>
+          </p:cNvSpPr>
+          <p:nvPr>
+            <p:ph type="sldNum" sz="quarter" idx="5"/>
+          </p:nvPr>
+        </p:nvSpPr>
+        <p:spPr/>
+        <p:txBody>
+          <a:bodyPr/>
+          <a:lstStyle/>
+          <a:p>
+            <a:fld id="{C04F49CC-6A8D-4FD7-9E71-A9B0074487B5}" type="slidenum">
+              <a:rPr lang="en-US" smtClean="0"/>
+              <a:t>2</a:t>
+            </a:fld>
+            <a:endParaRPr lang="en-US"/>
+          </a:p>
+        </p:txBody>
+      </p:sp>
+    </p:spTree>
+    <p:extLst>
+      <p:ext uri="{BB962C8B-B14F-4D97-AF65-F5344CB8AC3E}">
+        <p14:creationId xmlns:p14="http://schemas.microsoft.com/office/powerpoint/2010/main" val="1289749368"/>
+      </p:ext>
+    </p:extLst>
+  </p:cSld>
+  <p:clrMapOvr>
+    <a:masterClrMapping/>
+  </p:clrMapOvr>
+</p:notes>
+</file>
+
+<file path=ppt/notesSlides/notesSlide3.xml><?xml version="1.0" encoding="utf-8"?>
+<p:notes xmlns:a="http://schemas.openxmlformats.org/drawingml/2006/main" xmlns:r="http://schemas.openxmlformats.org/officeDocument/2006/relationships" xmlns:p="http://schemas.openxmlformats.org/presentationml/2006/main">
+  <p:cSld>
+    <p:spTree>
+      <p:nvGrpSpPr>
+        <p:cNvPr id="1" name=""/>
+        <p:cNvGrpSpPr/>
+        <p:nvPr/>
+      </p:nvGrpSpPr>
+      <p:grpSpPr>
+        <a:xfrm>
+          <a:off x="0" y="0"/>
+          <a:ext cx="0" cy="0"/>
+          <a:chOff x="0" y="0"/>
+          <a:chExt cx="0" cy="0"/>
+        </a:xfrm>
+      </p:grpSpPr>
+      <p:sp>
+        <p:nvSpPr>
+          <p:cNvPr id="2" name="Slide Image Placeholder 1"/>
+          <p:cNvSpPr>
+            <a:spLocks noGrp="1" noRot="1" noChangeAspect="1"/>
+          </p:cNvSpPr>
+          <p:nvPr>
+            <p:ph type="sldImg"/>
+          </p:nvPr>
+        </p:nvSpPr>
+        <p:spPr/>
+      </p:sp>
+      <p:sp>
+        <p:nvSpPr>
+          <p:cNvPr id="3" name="Notes Placeholder 2"/>
+          <p:cNvSpPr>
+            <a:spLocks noGrp="1"/>
+          </p:cNvSpPr>
+          <p:nvPr>
+            <p:ph type="body" idx="1"/>
+          </p:nvPr>
+        </p:nvSpPr>
+        <p:spPr/>
+        <p:txBody>
+          <a:bodyPr/>
+          <a:lstStyle/>
+          <a:p>
+            <a:r>
+              <a:rPr lang="en-US" dirty="0"/>
+              <a:t>We compared the daily change of the stock to the loan rate and conducted a hypothesis test. We found that there was not enough evidence to support that these two rates were different, meaning </a:t>
+            </a:r>
+            <a:r>
+              <a:rPr lang="en-US" dirty="0" err="1"/>
+              <a:t>Merill</a:t>
+            </a:r>
+            <a:r>
+              <a:rPr lang="en-US" dirty="0"/>
+              <a:t> Lynch is usually fair in the rate that they charge us. The graph shows the loan rate compared to the fair value (red line), and we can see that the points are centered around it.</a:t>
+            </a:r>
+          </a:p>
+        </p:txBody>
+      </p:sp>
+      <p:sp>
+        <p:nvSpPr>
+          <p:cNvPr id="4" name="Slide Number Placeholder 3"/>
+          <p:cNvSpPr>
+            <a:spLocks noGrp="1"/>
+          </p:cNvSpPr>
+          <p:nvPr>
+            <p:ph type="sldNum" sz="quarter" idx="5"/>
+          </p:nvPr>
+        </p:nvSpPr>
+        <p:spPr/>
+        <p:txBody>
+          <a:bodyPr/>
+          <a:lstStyle/>
+          <a:p>
+            <a:fld id="{C04F49CC-6A8D-4FD7-9E71-A9B0074487B5}" type="slidenum">
+              <a:rPr lang="en-US" smtClean="0"/>
+              <a:t>3</a:t>
+            </a:fld>
+            <a:endParaRPr lang="en-US"/>
+          </a:p>
+        </p:txBody>
+      </p:sp>
+    </p:spTree>
+    <p:extLst>
+      <p:ext uri="{BB962C8B-B14F-4D97-AF65-F5344CB8AC3E}">
+        <p14:creationId xmlns:p14="http://schemas.microsoft.com/office/powerpoint/2010/main" val="137509663"/>
+      </p:ext>
+    </p:extLst>
+  </p:cSld>
+  <p:clrMapOvr>
+    <a:masterClrMapping/>
+  </p:clrMapOvr>
+</p:notes>
+</file>
+
+<file path=ppt/notesSlides/notesSlide4.xml><?xml version="1.0" encoding="utf-8"?>
+<p:notes xmlns:a="http://schemas.openxmlformats.org/drawingml/2006/main" xmlns:r="http://schemas.openxmlformats.org/officeDocument/2006/relationships" xmlns:p="http://schemas.openxmlformats.org/presentationml/2006/main">
+  <p:cSld>
+    <p:spTree>
+      <p:nvGrpSpPr>
+        <p:cNvPr id="1" name=""/>
+        <p:cNvGrpSpPr/>
+        <p:nvPr/>
+      </p:nvGrpSpPr>
+      <p:grpSpPr>
+        <a:xfrm>
+          <a:off x="0" y="0"/>
+          <a:ext cx="0" cy="0"/>
+          <a:chOff x="0" y="0"/>
+          <a:chExt cx="0" cy="0"/>
+        </a:xfrm>
+      </p:grpSpPr>
+      <p:sp>
+        <p:nvSpPr>
+          <p:cNvPr id="2" name="Slide Image Placeholder 1"/>
+          <p:cNvSpPr>
+            <a:spLocks noGrp="1" noRot="1" noChangeAspect="1"/>
+          </p:cNvSpPr>
+          <p:nvPr>
+            <p:ph type="sldImg"/>
+          </p:nvPr>
+        </p:nvSpPr>
+        <p:spPr/>
+      </p:sp>
+      <p:sp>
+        <p:nvSpPr>
+          <p:cNvPr id="3" name="Notes Placeholder 2"/>
+          <p:cNvSpPr>
+            <a:spLocks noGrp="1"/>
+          </p:cNvSpPr>
+          <p:nvPr>
+            <p:ph type="body" idx="1"/>
+          </p:nvPr>
+        </p:nvSpPr>
+        <p:spPr/>
+        <p:txBody>
+          <a:bodyPr/>
+          <a:lstStyle/>
+          <a:p>
+            <a:r>
+              <a:rPr lang="en-US" dirty="0"/>
+              <a:t>We found that for extremely negative loan rates, we can expect the stock to go down. This makes sense since everyone is trying to short the stock.</a:t>
+            </a:r>
+          </a:p>
+        </p:txBody>
+      </p:sp>
+      <p:sp>
+        <p:nvSpPr>
+          <p:cNvPr id="4" name="Slide Number Placeholder 3"/>
+          <p:cNvSpPr>
+            <a:spLocks noGrp="1"/>
+          </p:cNvSpPr>
+          <p:nvPr>
+            <p:ph type="sldNum" sz="quarter" idx="5"/>
+          </p:nvPr>
+        </p:nvSpPr>
+        <p:spPr/>
+        <p:txBody>
+          <a:bodyPr/>
+          <a:lstStyle/>
+          <a:p>
+            <a:fld id="{C04F49CC-6A8D-4FD7-9E71-A9B0074487B5}" type="slidenum">
+              <a:rPr lang="en-US" smtClean="0"/>
+              <a:t>4</a:t>
+            </a:fld>
+            <a:endParaRPr lang="en-US"/>
+          </a:p>
+        </p:txBody>
+      </p:sp>
+    </p:spTree>
+    <p:extLst>
+      <p:ext uri="{BB962C8B-B14F-4D97-AF65-F5344CB8AC3E}">
+        <p14:creationId xmlns:p14="http://schemas.microsoft.com/office/powerpoint/2010/main" val="298424241"/>
+      </p:ext>
+    </p:extLst>
+  </p:cSld>
+  <p:clrMapOvr>
+    <a:masterClrMapping/>
+  </p:clrMapOvr>
+</p:notes>
+</file>
+
+<file path=ppt/notesSlides/notesSlide5.xml><?xml version="1.0" encoding="utf-8"?>
+<p:notes xmlns:a="http://schemas.openxmlformats.org/drawingml/2006/main" xmlns:r="http://schemas.openxmlformats.org/officeDocument/2006/relationships" xmlns:p="http://schemas.openxmlformats.org/presentationml/2006/main">
+  <p:cSld>
+    <p:spTree>
+      <p:nvGrpSpPr>
+        <p:cNvPr id="1" name=""/>
+        <p:cNvGrpSpPr/>
+        <p:nvPr/>
+      </p:nvGrpSpPr>
+      <p:grpSpPr>
+        <a:xfrm>
+          <a:off x="0" y="0"/>
+          <a:ext cx="0" cy="0"/>
+          <a:chOff x="0" y="0"/>
+          <a:chExt cx="0" cy="0"/>
+        </a:xfrm>
+      </p:grpSpPr>
+      <p:sp>
+        <p:nvSpPr>
+          <p:cNvPr id="2" name="Slide Image Placeholder 1"/>
+          <p:cNvSpPr>
+            <a:spLocks noGrp="1" noRot="1" noChangeAspect="1"/>
+          </p:cNvSpPr>
+          <p:nvPr>
+            <p:ph type="sldImg"/>
+          </p:nvPr>
+        </p:nvSpPr>
+        <p:spPr/>
+      </p:sp>
+      <p:sp>
+        <p:nvSpPr>
+          <p:cNvPr id="3" name="Notes Placeholder 2"/>
+          <p:cNvSpPr>
+            <a:spLocks noGrp="1"/>
+          </p:cNvSpPr>
+          <p:nvPr>
+            <p:ph type="body" idx="1"/>
+          </p:nvPr>
+        </p:nvSpPr>
+        <p:spPr/>
+        <p:txBody>
+          <a:bodyPr/>
+          <a:lstStyle/>
+          <a:p>
+            <a:r>
+              <a:rPr lang="en-US" dirty="0"/>
+              <a:t>We also looked at the rate throughout time. We found that the curve was exponential on both sides, as indicated by the graph.</a:t>
+            </a:r>
+          </a:p>
+        </p:txBody>
+      </p:sp>
+      <p:sp>
+        <p:nvSpPr>
+          <p:cNvPr id="4" name="Slide Number Placeholder 3"/>
+          <p:cNvSpPr>
+            <a:spLocks noGrp="1"/>
+          </p:cNvSpPr>
+          <p:nvPr>
+            <p:ph type="sldNum" sz="quarter" idx="5"/>
+          </p:nvPr>
+        </p:nvSpPr>
+        <p:spPr/>
+        <p:txBody>
+          <a:bodyPr/>
+          <a:lstStyle/>
+          <a:p>
+            <a:fld id="{C04F49CC-6A8D-4FD7-9E71-A9B0074487B5}" type="slidenum">
+              <a:rPr lang="en-US" smtClean="0"/>
+              <a:t>5</a:t>
+            </a:fld>
+            <a:endParaRPr lang="en-US"/>
+          </a:p>
+        </p:txBody>
+      </p:sp>
+    </p:spTree>
+    <p:extLst>
+      <p:ext uri="{BB962C8B-B14F-4D97-AF65-F5344CB8AC3E}">
+        <p14:creationId xmlns:p14="http://schemas.microsoft.com/office/powerpoint/2010/main" val="4179406122"/>
       </p:ext>
     </p:extLst>
   </p:cSld>
@@ -3903,19 +4315,25 @@
           <a:p>
             <a:r>
               <a:rPr lang="en-US" dirty="0"/>
-              <a:t>Whenever, we want to short a stock, we have to borrow the stock. Usually we borrow from Merrill Lynch. We pay them collateral for borrowing the stock, and they will pay us interest on the collateral.</a:t>
+              <a:t>Need it when shorting a stock</a:t>
             </a:r>
           </a:p>
           <a:p>
             <a:r>
               <a:rPr lang="en-US" dirty="0"/>
-              <a:t>However, for stocks that are extremely shorted, the interest rate can be extremely negative.</a:t>
+              <a:t>The loan rate is the interest rate Merrill pays on our collateral</a:t>
             </a:r>
           </a:p>
           <a:p>
             <a:r>
               <a:rPr lang="en-US" dirty="0"/>
-              <a:t>Make sure we’re not losing money!</a:t>
+              <a:t>The interest rate can be extremely negative</a:t>
+            </a:r>
+          </a:p>
+          <a:p>
+            <a:r>
+              <a:rPr lang="en-US" dirty="0"/>
+              <a:t>We need to make sure we’re not losing money!</a:t>
             </a:r>
           </a:p>
         </p:txBody>
@@ -4001,7 +4419,7 @@
           <a:p>
             <a:r>
               <a:rPr lang="en-US" dirty="0"/>
-              <a:t>We found that there was enough evidence to support that these two rates were different.</a:t>
+              <a:t>Loan rate = daily change of stock</a:t>
             </a:r>
           </a:p>
           <a:p>
@@ -4027,7 +4445,7 @@
           <p:nvPr/>
         </p:nvPicPr>
         <p:blipFill>
-          <a:blip r:embed="rId2"/>
+          <a:blip r:embed="rId3"/>
           <a:stretch>
             <a:fillRect/>
           </a:stretch>
@@ -4143,7 +4561,7 @@
           <p:nvPr/>
         </p:nvPicPr>
         <p:blipFill>
-          <a:blip r:embed="rId2"/>
+          <a:blip r:embed="rId3"/>
           <a:stretch>
             <a:fillRect/>
           </a:stretch>
@@ -4259,7 +4677,7 @@
           <p:nvPr/>
         </p:nvPicPr>
         <p:blipFill>
-          <a:blip r:embed="rId2"/>
+          <a:blip r:embed="rId3"/>
           <a:stretch>
             <a:fillRect/>
           </a:stretch>
